--- a/hexabenzocoronene/sto3g/est_basis/hbc_number_tpsci.pptx
+++ b/hexabenzocoronene/sto3g/est_basis/hbc_number_tpsci.pptx
@@ -2982,10 +2982,10 @@
         </p:nvGrpSpPr>
         <p:grpSpPr>
           <a:xfrm>
-            <a:off x="161399" y="103737"/>
-            <a:ext cx="12030601" cy="4233346"/>
-            <a:chOff x="-44562" y="103737"/>
-            <a:chExt cx="12030601" cy="4233346"/>
+            <a:off x="161399" y="128243"/>
+            <a:ext cx="11974066" cy="4208839"/>
+            <a:chOff x="-44562" y="128243"/>
+            <a:chExt cx="11974066" cy="4208839"/>
           </a:xfrm>
         </p:grpSpPr>
         <p:pic>
@@ -3039,7 +3039,7 @@
           </p:blipFill>
           <p:spPr>
             <a:xfrm>
-              <a:off x="3614820" y="103737"/>
+              <a:off x="3373808" y="128243"/>
               <a:ext cx="4076700" cy="3911600"/>
             </a:xfrm>
             <a:prstGeom prst="rect">
@@ -3049,7 +3049,7 @@
         </p:pic>
         <p:pic>
           <p:nvPicPr>
-            <p:cNvPr id="9" name="Picture 8" descr="A graph of a graph&#10;&#10;Description automatically generated with medium confidence">
+            <p:cNvPr id="9" name="Picture 8">
               <a:extLst>
                 <a:ext uri="{FF2B5EF4-FFF2-40B4-BE49-F238E27FC236}">
                   <a16:creationId xmlns:a16="http://schemas.microsoft.com/office/drawing/2014/main" id="{15B8E57E-D6F1-2869-443C-39C44457D1D1}"/>
@@ -3063,13 +3063,13 @@
           </p:nvPicPr>
           <p:blipFill rotWithShape="1">
             <a:blip r:embed="rId4"/>
-            <a:srcRect t="10278" r="7464" b="12361"/>
+            <a:srcRect t="9901" r="8657" b="9832"/>
             <a:stretch/>
           </p:blipFill>
           <p:spPr>
             <a:xfrm>
-              <a:off x="7755282" y="128243"/>
-              <a:ext cx="4230757" cy="3536950"/>
+              <a:off x="7469740" y="174593"/>
+              <a:ext cx="4459764" cy="3609110"/>
             </a:xfrm>
             <a:prstGeom prst="rect">
               <a:avLst/>
@@ -3135,7 +3135,7 @@
           </p:nvSpPr>
           <p:spPr>
             <a:xfrm>
-              <a:off x="4374311" y="4013917"/>
+              <a:off x="4149760" y="4011847"/>
               <a:ext cx="2232727" cy="323165"/>
             </a:xfrm>
             <a:prstGeom prst="rect">
@@ -3188,7 +3188,7 @@
           </p:nvSpPr>
           <p:spPr>
             <a:xfrm>
-              <a:off x="8639699" y="4013918"/>
+              <a:off x="8483246" y="4009777"/>
               <a:ext cx="2181431" cy="323165"/>
             </a:xfrm>
             <a:prstGeom prst="rect">
@@ -3241,7 +3241,7 @@
           </p:nvSpPr>
           <p:spPr>
             <a:xfrm>
-              <a:off x="7992914" y="380447"/>
+              <a:off x="7749319" y="418965"/>
               <a:ext cx="312906" cy="369332"/>
             </a:xfrm>
             <a:prstGeom prst="rect">
@@ -3280,7 +3280,7 @@
           </p:nvSpPr>
           <p:spPr>
             <a:xfrm>
-              <a:off x="8483246" y="834647"/>
+              <a:off x="8252748" y="868680"/>
               <a:ext cx="312906" cy="369332"/>
             </a:xfrm>
             <a:prstGeom prst="rect">
@@ -3319,7 +3319,7 @@
           </p:nvSpPr>
           <p:spPr>
             <a:xfrm>
-              <a:off x="8920566" y="1298160"/>
+              <a:off x="8731723" y="1325880"/>
               <a:ext cx="312906" cy="369332"/>
             </a:xfrm>
             <a:prstGeom prst="rect">
@@ -3358,7 +3358,7 @@
           </p:nvSpPr>
           <p:spPr>
             <a:xfrm>
-              <a:off x="9384654" y="1758123"/>
+              <a:off x="9212359" y="1794482"/>
               <a:ext cx="312906" cy="369332"/>
             </a:xfrm>
             <a:prstGeom prst="rect">
@@ -3397,7 +3397,7 @@
           </p:nvSpPr>
           <p:spPr>
             <a:xfrm>
-              <a:off x="9870660" y="2210977"/>
+              <a:off x="9704923" y="2240280"/>
               <a:ext cx="312906" cy="369332"/>
             </a:xfrm>
             <a:prstGeom prst="rect">
@@ -3436,7 +3436,7 @@
           </p:nvSpPr>
           <p:spPr>
             <a:xfrm>
-              <a:off x="10312044" y="2675834"/>
+              <a:off x="10202713" y="2697480"/>
               <a:ext cx="312906" cy="369332"/>
             </a:xfrm>
             <a:prstGeom prst="rect">
@@ -3475,7 +3475,7 @@
           </p:nvSpPr>
           <p:spPr>
             <a:xfrm>
-              <a:off x="10758736" y="3138484"/>
+              <a:off x="10707081" y="3138484"/>
               <a:ext cx="312906" cy="369332"/>
             </a:xfrm>
             <a:prstGeom prst="rect">
